--- a/Presentations/Week_2_Foundations/BCS STATS Week 2 FOUNDATIONS.pptx
+++ b/Presentations/Week_2_Foundations/BCS STATS Week 2 FOUNDATIONS.pptx
@@ -5,7 +5,7 @@
     <p:sldMasterId id="2147483648" r:id="rId1"/>
   </p:sldMasterIdLst>
   <p:notesMasterIdLst>
-    <p:notesMasterId r:id="rId11"/>
+    <p:notesMasterId r:id="rId12"/>
   </p:notesMasterIdLst>
   <p:sldIdLst>
     <p:sldId id="256" r:id="rId2"/>
@@ -17,6 +17,7 @@
     <p:sldId id="264" r:id="rId8"/>
     <p:sldId id="265" r:id="rId9"/>
     <p:sldId id="266" r:id="rId10"/>
+    <p:sldId id="268" r:id="rId11"/>
   </p:sldIdLst>
   <p:sldSz cx="12192000" cy="6858000"/>
   <p:notesSz cx="6858000" cy="9144000"/>
@@ -115,6 +116,11 @@
       </a:defRPr>
     </a:lvl9pPr>
   </p:defaultTextStyle>
+  <p:extLst>
+    <p:ext uri="{EFAFB233-063F-42B5-8137-9DF3F51BA10A}">
+      <p15:sldGuideLst xmlns:p15="http://schemas.microsoft.com/office/powerpoint/2012/main"/>
+    </p:ext>
+  </p:extLst>
 </p:presentation>
 </file>
 
@@ -200,7 +206,7 @@
           <a:p>
             <a:fld id="{8B95F98F-2998-489E-A814-34DDAECF23EC}" type="datetimeFigureOut">
               <a:rPr lang="en-US" smtClean="0"/>
-              <a:t>8/24/2020</a:t>
+              <a:t>8/27/2020</a:t>
             </a:fld>
             <a:endParaRPr lang="en-US"/>
           </a:p>
@@ -1302,7 +1308,7 @@
           <a:effectLst/>
           <a:extLst>
             <a:ext uri="{91240B29-F687-4f45-9708-019B960494DF}">
-              <a14:hiddenLine xmlns:a14="http://schemas.microsoft.com/office/drawing/2010/main" xmlns="" w="9525">
+              <a14:hiddenLine xmlns="" xmlns:a14="http://schemas.microsoft.com/office/drawing/2010/main" w="9525">
                 <a:solidFill>
                   <a:srgbClr val="000000"/>
                 </a:solidFill>
@@ -1495,7 +1501,7 @@
             <a:fld id="{08B9EBBA-996F-894A-B54A-D6246ED52CEA}" type="datetimeFigureOut">
               <a:rPr lang="en-US" dirty="0"/>
               <a:pPr/>
-              <a:t>8/24/2020</a:t>
+              <a:t>8/27/2020</a:t>
             </a:fld>
             <a:endParaRPr lang="en-US" dirty="0"/>
           </a:p>
@@ -1810,7 +1816,7 @@
             <a:fld id="{18C79C5D-2A6F-F04D-97DA-BEF2467B64E4}" type="datetimeFigureOut">
               <a:rPr lang="en-US" dirty="0"/>
               <a:pPr/>
-              <a:t>8/24/2020</a:t>
+              <a:t>8/27/2020</a:t>
             </a:fld>
             <a:endParaRPr lang="en-US" dirty="0"/>
           </a:p>
@@ -2295,7 +2301,7 @@
             <a:fld id="{8DFA1846-DA80-1C48-A609-854EA85C59AD}" type="datetimeFigureOut">
               <a:rPr lang="en-US" dirty="0"/>
               <a:pPr/>
-              <a:t>8/24/2020</a:t>
+              <a:t>8/27/2020</a:t>
             </a:fld>
             <a:endParaRPr lang="en-US" dirty="0"/>
           </a:p>
@@ -2661,7 +2667,7 @@
             <a:fld id="{FBF54567-0DE4-3F47-BF90-CB84690072F9}" type="datetimeFigureOut">
               <a:rPr lang="en-US" dirty="0"/>
               <a:pPr/>
-              <a:t>8/24/2020</a:t>
+              <a:t>8/27/2020</a:t>
             </a:fld>
             <a:endParaRPr lang="en-US" dirty="0"/>
           </a:p>
@@ -2812,7 +2818,7 @@
           <a:ln/>
           <a:extLst>
             <a:ext uri="{91240B29-F687-4f45-9708-019B960494DF}">
-              <a14:hiddenLine xmlns:a14="http://schemas.microsoft.com/office/drawing/2010/main" xmlns="" w="9525">
+              <a14:hiddenLine xmlns="" xmlns:a14="http://schemas.microsoft.com/office/drawing/2010/main" w="9525">
                 <a:solidFill>
                   <a:srgbClr val="000000"/>
                 </a:solidFill>
@@ -2931,7 +2937,7 @@
             <a:fld id="{C6C52C72-DE31-F449-A4ED-4C594FD91407}" type="datetimeFigureOut">
               <a:rPr lang="en-US" dirty="0"/>
               <a:pPr/>
-              <a:t>8/24/2020</a:t>
+              <a:t>8/27/2020</a:t>
             </a:fld>
             <a:endParaRPr lang="en-US" dirty="0"/>
           </a:p>
@@ -3084,7 +3090,7 @@
           <a:ln/>
           <a:extLst>
             <a:ext uri="{91240B29-F687-4f45-9708-019B960494DF}">
-              <a14:hiddenLine xmlns:a14="http://schemas.microsoft.com/office/drawing/2010/main" xmlns="" w="9525">
+              <a14:hiddenLine xmlns="" xmlns:a14="http://schemas.microsoft.com/office/drawing/2010/main" w="9525">
                 <a:solidFill>
                   <a:srgbClr val="000000"/>
                 </a:solidFill>
@@ -3213,7 +3219,7 @@
             <a:fld id="{ED62726E-379B-B349-9EED-81ED093FA806}" type="datetimeFigureOut">
               <a:rPr lang="en-US" dirty="0"/>
               <a:pPr/>
-              <a:t>8/24/2020</a:t>
+              <a:t>8/27/2020</a:t>
             </a:fld>
             <a:endParaRPr lang="en-US" dirty="0"/>
           </a:p>
@@ -3364,7 +3370,7 @@
           <a:ln/>
           <a:extLst>
             <a:ext uri="{91240B29-F687-4f45-9708-019B960494DF}">
-              <a14:hiddenLine xmlns:a14="http://schemas.microsoft.com/office/drawing/2010/main" xmlns="" w="9525">
+              <a14:hiddenLine xmlns="" xmlns:a14="http://schemas.microsoft.com/office/drawing/2010/main" w="9525">
                 <a:solidFill>
                   <a:srgbClr val="000000"/>
                 </a:solidFill>
@@ -3493,7 +3499,7 @@
             <a:fld id="{9B3A1323-8D79-1946-B0D7-40001CF92E9D}" type="datetimeFigureOut">
               <a:rPr lang="en-US" dirty="0"/>
               <a:pPr/>
-              <a:t>8/24/2020</a:t>
+              <a:t>8/27/2020</a:t>
             </a:fld>
             <a:endParaRPr lang="en-US" dirty="0"/>
           </a:p>
@@ -3833,7 +3839,7 @@
             <a:fld id="{8DFA1846-DA80-1C48-A609-854EA85C59AD}" type="datetimeFigureOut">
               <a:rPr lang="en-US" dirty="0"/>
               <a:pPr/>
-              <a:t>8/24/2020</a:t>
+              <a:t>8/27/2020</a:t>
             </a:fld>
             <a:endParaRPr lang="en-US" dirty="0"/>
           </a:p>
@@ -3984,7 +3990,7 @@
           <a:ln/>
           <a:extLst>
             <a:ext uri="{91240B29-F687-4f45-9708-019B960494DF}">
-              <a14:hiddenLine xmlns:a14="http://schemas.microsoft.com/office/drawing/2010/main" xmlns="" w="9525">
+              <a14:hiddenLine xmlns="" xmlns:a14="http://schemas.microsoft.com/office/drawing/2010/main" w="9525">
                 <a:solidFill>
                   <a:srgbClr val="000000"/>
                 </a:solidFill>
@@ -4169,7 +4175,7 @@
             <a:fld id="{57302355-E14B-8545-A8F8-0FE83CC9D524}" type="datetimeFigureOut">
               <a:rPr lang="en-US" dirty="0"/>
               <a:pPr/>
-              <a:t>8/24/2020</a:t>
+              <a:t>8/27/2020</a:t>
             </a:fld>
             <a:endParaRPr lang="en-US" dirty="0"/>
           </a:p>
@@ -4320,7 +4326,7 @@
           <a:ln/>
           <a:extLst>
             <a:ext uri="{91240B29-F687-4f45-9708-019B960494DF}">
-              <a14:hiddenLine xmlns:a14="http://schemas.microsoft.com/office/drawing/2010/main" xmlns="" w="9525">
+              <a14:hiddenLine xmlns="" xmlns:a14="http://schemas.microsoft.com/office/drawing/2010/main" w="9525">
                 <a:solidFill>
                   <a:srgbClr val="000000"/>
                 </a:solidFill>
@@ -4643,7 +4649,7 @@
             <a:fld id="{02640F58-564D-2B4F-AE67-E407BA4FCF45}" type="datetimeFigureOut">
               <a:rPr lang="en-US" dirty="0"/>
               <a:pPr/>
-              <a:t>8/24/2020</a:t>
+              <a:t>8/27/2020</a:t>
             </a:fld>
             <a:endParaRPr lang="en-US" dirty="0"/>
           </a:p>
@@ -4794,7 +4800,7 @@
           <a:ln/>
           <a:extLst>
             <a:ext uri="{91240B29-F687-4f45-9708-019B960494DF}">
-              <a14:hiddenLine xmlns:a14="http://schemas.microsoft.com/office/drawing/2010/main" xmlns="" w="9525">
+              <a14:hiddenLine xmlns="" xmlns:a14="http://schemas.microsoft.com/office/drawing/2010/main" w="9525">
                 <a:solidFill>
                   <a:srgbClr val="000000"/>
                 </a:solidFill>
@@ -4861,7 +4867,7 @@
             <a:fld id="{F13A34C8-038E-2045-AF43-DF7DBB8E0E9E}" type="datetimeFigureOut">
               <a:rPr lang="en-US" dirty="0"/>
               <a:pPr/>
-              <a:t>8/24/2020</a:t>
+              <a:t>8/27/2020</a:t>
             </a:fld>
             <a:endParaRPr lang="en-US" dirty="0"/>
           </a:p>
@@ -4953,7 +4959,7 @@
             <a:fld id="{8818C68F-D26B-8F47-958C-23B49CF8A634}" type="datetimeFigureOut">
               <a:rPr lang="en-US" dirty="0"/>
               <a:pPr/>
-              <a:t>8/24/2020</a:t>
+              <a:t>8/27/2020</a:t>
             </a:fld>
             <a:endParaRPr lang="en-US" dirty="0"/>
           </a:p>
@@ -5217,7 +5223,7 @@
           <a:ln/>
           <a:extLst>
             <a:ext uri="{91240B29-F687-4f45-9708-019B960494DF}">
-              <a14:hiddenLine xmlns:a14="http://schemas.microsoft.com/office/drawing/2010/main" xmlns="" w="9525">
+              <a14:hiddenLine xmlns="" xmlns:a14="http://schemas.microsoft.com/office/drawing/2010/main" w="9525">
                 <a:solidFill>
                   <a:srgbClr val="000000"/>
                 </a:solidFill>
@@ -5417,7 +5423,7 @@
             <a:fld id="{D0DF5E60-9974-AC48-9591-99C2BB44B7CF}" type="datetimeFigureOut">
               <a:rPr lang="en-US" dirty="0"/>
               <a:pPr/>
-              <a:t>8/24/2020</a:t>
+              <a:t>8/27/2020</a:t>
             </a:fld>
             <a:endParaRPr lang="en-US" dirty="0"/>
           </a:p>
@@ -5727,7 +5733,7 @@
             <a:fld id="{18C79C5D-2A6F-F04D-97DA-BEF2467B64E4}" type="datetimeFigureOut">
               <a:rPr lang="en-US" dirty="0"/>
               <a:pPr/>
-              <a:t>8/24/2020</a:t>
+              <a:t>8/27/2020</a:t>
             </a:fld>
             <a:endParaRPr lang="en-US" dirty="0"/>
           </a:p>
@@ -5994,7 +6000,7 @@
             <a:fld id="{09B482E8-6E0E-1B4F-B1FD-C69DB9E858D9}" type="datetimeFigureOut">
               <a:rPr lang="en-US" dirty="0"/>
               <a:pPr/>
-              <a:t>8/24/2020</a:t>
+              <a:t>8/27/2020</a:t>
             </a:fld>
             <a:endParaRPr lang="en-US" dirty="0"/>
           </a:p>
@@ -6526,6 +6532,132 @@
 </p:sld>
 </file>
 
+<file path=ppt/slides/slide10.xml><?xml version="1.0" encoding="utf-8"?>
+<p:sld xmlns:a="http://schemas.openxmlformats.org/drawingml/2006/main" xmlns:r="http://schemas.openxmlformats.org/officeDocument/2006/relationships" xmlns:p="http://schemas.openxmlformats.org/presentationml/2006/main">
+  <p:cSld>
+    <p:spTree>
+      <p:nvGrpSpPr>
+        <p:cNvPr id="1" name=""/>
+        <p:cNvGrpSpPr/>
+        <p:nvPr/>
+      </p:nvGrpSpPr>
+      <p:grpSpPr>
+        <a:xfrm>
+          <a:off x="0" y="0"/>
+          <a:ext cx="0" cy="0"/>
+          <a:chOff x="0" y="0"/>
+          <a:chExt cx="0" cy="0"/>
+        </a:xfrm>
+      </p:grpSpPr>
+      <p:sp>
+        <p:nvSpPr>
+          <p:cNvPr id="2" name="Title 1"/>
+          <p:cNvSpPr>
+            <a:spLocks noGrp="1"/>
+          </p:cNvSpPr>
+          <p:nvPr>
+            <p:ph type="title"/>
+          </p:nvPr>
+        </p:nvSpPr>
+        <p:spPr/>
+        <p:txBody>
+          <a:bodyPr/>
+          <a:lstStyle/>
+          <a:p>
+            <a:r>
+              <a:rPr lang="en-US" dirty="0" smtClean="0"/>
+              <a:t>Using </a:t>
+            </a:r>
+            <a:r>
+              <a:rPr lang="en-US" dirty="0" err="1" smtClean="0"/>
+              <a:t>Matlab</a:t>
+            </a:r>
+            <a:endParaRPr lang="en-US" dirty="0"/>
+          </a:p>
+        </p:txBody>
+      </p:sp>
+      <p:sp>
+        <p:nvSpPr>
+          <p:cNvPr id="3" name="Content Placeholder 2"/>
+          <p:cNvSpPr>
+            <a:spLocks noGrp="1"/>
+          </p:cNvSpPr>
+          <p:nvPr>
+            <p:ph idx="1"/>
+          </p:nvPr>
+        </p:nvSpPr>
+        <p:spPr/>
+        <p:txBody>
+          <a:bodyPr/>
+          <a:lstStyle/>
+          <a:p>
+            <a:r>
+              <a:rPr lang="en-US" dirty="0" smtClean="0">
+                <a:hlinkClick r:id="rId2"/>
+              </a:rPr>
+              <a:t>Linear Model</a:t>
+            </a:r>
+          </a:p>
+          <a:p>
+            <a:pPr lvl="1"/>
+            <a:r>
+              <a:rPr lang="en-US" dirty="0" smtClean="0">
+                <a:hlinkClick r:id="rId2"/>
+              </a:rPr>
+              <a:t>https</a:t>
+            </a:r>
+            <a:r>
+              <a:rPr lang="en-US" dirty="0">
+                <a:hlinkClick r:id="rId2"/>
+              </a:rPr>
+              <a:t>://</a:t>
+            </a:r>
+            <a:r>
+              <a:rPr lang="en-US" dirty="0" smtClean="0">
+                <a:hlinkClick r:id="rId2"/>
+              </a:rPr>
+              <a:t>www.mathworks.com/help/stats/linearmodel.html</a:t>
+            </a:r>
+            <a:endParaRPr lang="en-US" dirty="0" smtClean="0"/>
+          </a:p>
+          <a:p>
+            <a:r>
+              <a:rPr lang="en-US" dirty="0" smtClean="0"/>
+              <a:t>Linear Regression</a:t>
+            </a:r>
+          </a:p>
+          <a:p>
+            <a:pPr lvl="1"/>
+            <a:r>
+              <a:rPr lang="en-US" dirty="0">
+                <a:hlinkClick r:id="rId3"/>
+              </a:rPr>
+              <a:t>https://www.mathworks.com/help/stats/fitlm.html</a:t>
+            </a:r>
+            <a:endParaRPr lang="en-US" dirty="0"/>
+          </a:p>
+        </p:txBody>
+      </p:sp>
+    </p:spTree>
+    <p:extLst>
+      <p:ext uri="{BB962C8B-B14F-4D97-AF65-F5344CB8AC3E}">
+        <p14:creationId xmlns:p14="http://schemas.microsoft.com/office/powerpoint/2010/main" val="576741201"/>
+      </p:ext>
+    </p:extLst>
+  </p:cSld>
+  <p:clrMapOvr>
+    <a:masterClrMapping/>
+  </p:clrMapOvr>
+  <p:timing>
+    <p:tnLst>
+      <p:par>
+        <p:cTn id="1" dur="indefinite" restart="never" nodeType="tmRoot"/>
+      </p:par>
+    </p:tnLst>
+  </p:timing>
+</p:sld>
+</file>
+
 <file path=ppt/slides/slide2.xml><?xml version="1.0" encoding="utf-8"?>
 <p:sld xmlns:a="http://schemas.openxmlformats.org/drawingml/2006/main" xmlns:r="http://schemas.openxmlformats.org/officeDocument/2006/relationships" xmlns:p="http://schemas.openxmlformats.org/presentationml/2006/main">
   <p:cSld>
@@ -7510,7 +7642,6 @@
               <a:rPr lang="en-US" dirty="0"/>
               <a:t>Perfectly valid simple linear models (all the assumptions are verified).</a:t>
             </a:r>
-            <a:endParaRPr lang="en-US" dirty="0"/>
           </a:p>
         </p:txBody>
       </p:sp>
@@ -7622,7 +7753,6 @@
               <a:rPr lang="en-US" dirty="0"/>
               <a:t>Problematic simple linear models (a single assumption does not hold).</a:t>
             </a:r>
-            <a:endParaRPr lang="en-US" dirty="0"/>
           </a:p>
         </p:txBody>
       </p:sp>
